--- a/NodeJS/lesson_34/Presentation/socket.io.pptx
+++ b/NodeJS/lesson_34/Presentation/socket.io.pptx
@@ -111,6 +111,22 @@
       </a:defRPr>
     </a:lvl9pPr>
   </p:defaultTextStyle>
+  <p:extLst>
+    <p:ext uri="{EFAFB233-063F-42B5-8137-9DF3F51BA10A}">
+      <p15:sldGuideLst xmlns:p15="http://schemas.microsoft.com/office/powerpoint/2012/main">
+        <p15:guide id="1" orient="horz" pos="2160">
+          <p15:clr>
+            <a:srgbClr val="A4A3A4"/>
+          </p15:clr>
+        </p15:guide>
+        <p15:guide id="2" pos="2880">
+          <p15:clr>
+            <a:srgbClr val="A4A3A4"/>
+          </p15:clr>
+        </p15:guide>
+      </p15:sldGuideLst>
+    </p:ext>
+  </p:extLst>
 </p:presentation>
 </file>
 
@@ -197,7 +213,7 @@
             <a:fld id="{7C8C4BEB-D132-4A19-A96A-DED07A2A20C8}" type="datetimeFigureOut">
               <a:rPr lang="uk-UA" smtClean="0"/>
               <a:pPr/>
-              <a:t>18.09.2016</a:t>
+              <a:t>07.10.2016</a:t>
             </a:fld>
             <a:endParaRPr lang="uk-UA"/>
           </a:p>
@@ -263,35 +279,35 @@
           <a:p>
             <a:pPr lvl="0"/>
             <a:r>
-              <a:rPr lang="ru-RU" smtClean="0"/>
+              <a:rPr lang="ru-RU"/>
               <a:t>Образец текста</a:t>
             </a:r>
           </a:p>
           <a:p>
             <a:pPr lvl="1"/>
             <a:r>
-              <a:rPr lang="ru-RU" smtClean="0"/>
+              <a:rPr lang="ru-RU"/>
               <a:t>Второй уровень</a:t>
             </a:r>
           </a:p>
           <a:p>
             <a:pPr lvl="2"/>
             <a:r>
-              <a:rPr lang="ru-RU" smtClean="0"/>
+              <a:rPr lang="ru-RU"/>
               <a:t>Третий уровень</a:t>
             </a:r>
           </a:p>
           <a:p>
             <a:pPr lvl="3"/>
             <a:r>
-              <a:rPr lang="ru-RU" smtClean="0"/>
+              <a:rPr lang="ru-RU"/>
               <a:t>Четвертый уровень</a:t>
             </a:r>
           </a:p>
           <a:p>
             <a:pPr lvl="4"/>
             <a:r>
-              <a:rPr lang="ru-RU" smtClean="0"/>
+              <a:rPr lang="ru-RU"/>
               <a:t>Пятый уровень</a:t>
             </a:r>
             <a:endParaRPr lang="uk-UA"/>
@@ -518,10 +534,9 @@
           </a:lstStyle>
           <a:p>
             <a:r>
-              <a:rPr lang="en-US" dirty="0" smtClean="0"/>
+              <a:rPr lang="en-US" dirty="0"/>
               <a:t>title style</a:t>
             </a:r>
-            <a:endParaRPr lang="en-US" dirty="0"/>
           </a:p>
         </p:txBody>
       </p:sp>
@@ -641,7 +656,7 @@
           </a:lstStyle>
           <a:p>
             <a:r>
-              <a:rPr lang="ru-RU" smtClean="0"/>
+              <a:rPr lang="ru-RU"/>
               <a:t>Образец подзаголовка</a:t>
             </a:r>
             <a:endParaRPr lang="en-US" dirty="0"/>
@@ -970,20 +985,13 @@
     </p:spTree>
     <p:extLst>
       <p:ext uri="{BB962C8B-B14F-4D97-AF65-F5344CB8AC3E}">
-        <p14:creationId xmlns="" xmlns:p14="http://schemas.microsoft.com/office/powerpoint/2010/main" val="3537187278"/>
+        <p14:creationId xmlns:p14="http://schemas.microsoft.com/office/powerpoint/2010/main" val="3537187278"/>
       </p:ext>
     </p:extLst>
   </p:cSld>
   <p:clrMapOvr>
     <a:overrideClrMapping bg1="lt1" tx1="dk1" bg2="lt2" tx2="dk2" accent1="accent1" accent2="accent2" accent3="accent3" accent4="accent4" accent5="accent5" accent6="accent6" hlink="hlink" folHlink="folHlink"/>
   </p:clrMapOvr>
-  <p:timing>
-    <p:tnLst>
-      <p:par>
-        <p:cTn id="1" dur="indefinite" restart="never" nodeType="tmRoot"/>
-      </p:par>
-    </p:tnLst>
-  </p:timing>
 </p:sldLayout>
 </file>
 
@@ -1016,7 +1024,7 @@
           <a:blip r:embed="rId2" cstate="print">
             <a:extLst>
               <a:ext uri="{28A0092B-C50C-407E-A947-70E740481C1C}">
-                <a14:useLocalDpi xmlns="" xmlns:a14="http://schemas.microsoft.com/office/drawing/2010/main" val="0"/>
+                <a14:useLocalDpi xmlns:a14="http://schemas.microsoft.com/office/drawing/2010/main" val="0"/>
               </a:ext>
             </a:extLst>
           </a:blip>
@@ -1040,14 +1048,14 @@
           <a:effectLst/>
           <a:extLst>
             <a:ext uri="{909E8E84-426E-40DD-AFC4-6F175D3DCCD1}">
-              <a14:hiddenFill xmlns="" xmlns:a14="http://schemas.microsoft.com/office/drawing/2010/main">
+              <a14:hiddenFill xmlns:a14="http://schemas.microsoft.com/office/drawing/2010/main">
                 <a:solidFill>
                   <a:schemeClr val="accent1"/>
                 </a:solidFill>
               </a14:hiddenFill>
             </a:ext>
             <a:ext uri="{91240B29-F687-4F45-9708-019B960494DF}">
-              <a14:hiddenLine xmlns="" xmlns:a14="http://schemas.microsoft.com/office/drawing/2010/main" w="9525">
+              <a14:hiddenLine xmlns:a14="http://schemas.microsoft.com/office/drawing/2010/main" w="9525">
                 <a:solidFill>
                   <a:schemeClr val="tx1"/>
                 </a:solidFill>
@@ -1057,7 +1065,7 @@
               </a14:hiddenLine>
             </a:ext>
             <a:ext uri="{AF507438-7753-43E0-B8FC-AC1667EBCBE1}">
-              <a14:hiddenEffects xmlns="" xmlns:a14="http://schemas.microsoft.com/office/drawing/2010/main">
+              <a14:hiddenEffects xmlns:a14="http://schemas.microsoft.com/office/drawing/2010/main">
                 <a:effectLst>
                   <a:outerShdw dist="35921" dir="2700000" algn="ctr" rotWithShape="0">
                     <a:schemeClr val="bg2"/>
@@ -1152,7 +1160,7 @@
           </a:lstStyle>
           <a:p>
             <a:r>
-              <a:rPr lang="ru-RU" smtClean="0"/>
+              <a:rPr lang="ru-RU"/>
               <a:t>Образец заголовка</a:t>
             </a:r>
             <a:endParaRPr lang="en-US" dirty="0"/>
@@ -1189,7 +1197,7 @@
           <a:p>
             <a:pPr lvl="4"/>
             <a:r>
-              <a:rPr lang="en-US" dirty="0" smtClean="0"/>
+              <a:rPr lang="en-US" dirty="0"/>
               <a:t>Subtitle</a:t>
             </a:r>
           </a:p>
@@ -1198,20 +1206,13 @@
     </p:spTree>
     <p:extLst>
       <p:ext uri="{BB962C8B-B14F-4D97-AF65-F5344CB8AC3E}">
-        <p14:creationId xmlns="" xmlns:p14="http://schemas.microsoft.com/office/powerpoint/2010/main" val="2097366919"/>
+        <p14:creationId xmlns:p14="http://schemas.microsoft.com/office/powerpoint/2010/main" val="2097366919"/>
       </p:ext>
     </p:extLst>
   </p:cSld>
   <p:clrMapOvr>
     <a:masterClrMapping/>
   </p:clrMapOvr>
-  <p:timing>
-    <p:tnLst>
-      <p:par>
-        <p:cTn id="1" dur="indefinite" restart="never" nodeType="tmRoot"/>
-      </p:par>
-    </p:tnLst>
-  </p:timing>
 </p:sldLayout>
 </file>
 
@@ -1270,10 +1271,9 @@
           </a:lstStyle>
           <a:p>
             <a:r>
-              <a:rPr lang="en-US" dirty="0" smtClean="0"/>
+              <a:rPr lang="en-US" dirty="0"/>
               <a:t>title style</a:t>
             </a:r>
-            <a:endParaRPr lang="en-US" dirty="0"/>
           </a:p>
         </p:txBody>
       </p:sp>
@@ -1393,10 +1393,9 @@
           </a:lstStyle>
           <a:p>
             <a:r>
-              <a:rPr lang="en-US" dirty="0" smtClean="0"/>
+              <a:rPr lang="en-US" dirty="0"/>
               <a:t>Click to edit Master subtitle style</a:t>
             </a:r>
-            <a:endParaRPr lang="en-US" dirty="0"/>
           </a:p>
         </p:txBody>
       </p:sp>
@@ -1722,20 +1721,13 @@
     </p:spTree>
     <p:extLst>
       <p:ext uri="{BB962C8B-B14F-4D97-AF65-F5344CB8AC3E}">
-        <p14:creationId xmlns="" xmlns:p14="http://schemas.microsoft.com/office/powerpoint/2010/main" val="3537187278"/>
+        <p14:creationId xmlns:p14="http://schemas.microsoft.com/office/powerpoint/2010/main" val="3537187278"/>
       </p:ext>
     </p:extLst>
   </p:cSld>
   <p:clrMapOvr>
     <a:overrideClrMapping bg1="lt1" tx1="dk1" bg2="lt2" tx2="dk2" accent1="accent1" accent2="accent2" accent3="accent3" accent4="accent4" accent5="accent5" accent6="accent6" hlink="hlink" folHlink="folHlink"/>
   </p:clrMapOvr>
-  <p:timing>
-    <p:tnLst>
-      <p:par>
-        <p:cTn id="1" dur="indefinite" restart="never" nodeType="tmRoot"/>
-      </p:par>
-    </p:tnLst>
-  </p:timing>
 </p:sldLayout>
 </file>
 
@@ -1768,7 +1760,7 @@
           <a:blip r:embed="rId2" cstate="print">
             <a:extLst>
               <a:ext uri="{28A0092B-C50C-407E-A947-70E740481C1C}">
-                <a14:useLocalDpi xmlns="" xmlns:a14="http://schemas.microsoft.com/office/drawing/2010/main" val="0"/>
+                <a14:useLocalDpi xmlns:a14="http://schemas.microsoft.com/office/drawing/2010/main" val="0"/>
               </a:ext>
             </a:extLst>
           </a:blip>
@@ -1792,14 +1784,14 @@
           <a:effectLst/>
           <a:extLst>
             <a:ext uri="{909E8E84-426E-40DD-AFC4-6F175D3DCCD1}">
-              <a14:hiddenFill xmlns="" xmlns:a14="http://schemas.microsoft.com/office/drawing/2010/main">
+              <a14:hiddenFill xmlns:a14="http://schemas.microsoft.com/office/drawing/2010/main">
                 <a:solidFill>
                   <a:schemeClr val="accent1"/>
                 </a:solidFill>
               </a14:hiddenFill>
             </a:ext>
             <a:ext uri="{91240B29-F687-4F45-9708-019B960494DF}">
-              <a14:hiddenLine xmlns="" xmlns:a14="http://schemas.microsoft.com/office/drawing/2010/main" w="9525">
+              <a14:hiddenLine xmlns:a14="http://schemas.microsoft.com/office/drawing/2010/main" w="9525">
                 <a:solidFill>
                   <a:schemeClr val="tx1"/>
                 </a:solidFill>
@@ -1809,7 +1801,7 @@
               </a14:hiddenLine>
             </a:ext>
             <a:ext uri="{AF507438-7753-43E0-B8FC-AC1667EBCBE1}">
-              <a14:hiddenEffects xmlns="" xmlns:a14="http://schemas.microsoft.com/office/drawing/2010/main">
+              <a14:hiddenEffects xmlns:a14="http://schemas.microsoft.com/office/drawing/2010/main">
                 <a:effectLst>
                   <a:outerShdw dist="35921" dir="2700000" algn="ctr" rotWithShape="0">
                     <a:schemeClr val="bg2"/>
@@ -1904,10 +1896,9 @@
           </a:lstStyle>
           <a:p>
             <a:r>
-              <a:rPr lang="en-US" dirty="0" smtClean="0"/>
+              <a:rPr lang="en-US" dirty="0"/>
               <a:t>Click to edit Master title style</a:t>
             </a:r>
-            <a:endParaRPr lang="en-US" dirty="0"/>
           </a:p>
         </p:txBody>
       </p:sp>
@@ -1941,7 +1932,7 @@
           <a:p>
             <a:pPr lvl="4"/>
             <a:r>
-              <a:rPr lang="en-US" dirty="0" smtClean="0"/>
+              <a:rPr lang="en-US" dirty="0"/>
               <a:t>Subtitle</a:t>
             </a:r>
           </a:p>
@@ -1950,20 +1941,13 @@
     </p:spTree>
     <p:extLst>
       <p:ext uri="{BB962C8B-B14F-4D97-AF65-F5344CB8AC3E}">
-        <p14:creationId xmlns="" xmlns:p14="http://schemas.microsoft.com/office/powerpoint/2010/main" val="2097366919"/>
+        <p14:creationId xmlns:p14="http://schemas.microsoft.com/office/powerpoint/2010/main" val="2097366919"/>
       </p:ext>
     </p:extLst>
   </p:cSld>
   <p:clrMapOvr>
     <a:masterClrMapping/>
   </p:clrMapOvr>
-  <p:timing>
-    <p:tnLst>
-      <p:par>
-        <p:cTn id="1" dur="indefinite" restart="never" nodeType="tmRoot"/>
-      </p:par>
-    </p:tnLst>
-  </p:timing>
 </p:sldLayout>
 </file>
 
@@ -2015,7 +1999,7 @@
           <a:lstStyle/>
           <a:p>
             <a:r>
-              <a:rPr lang="ru-RU" smtClean="0"/>
+              <a:rPr lang="ru-RU"/>
               <a:t>Образец заголовка</a:t>
             </a:r>
             <a:endParaRPr lang="en-US"/>
@@ -2025,7 +2009,7 @@
     </p:spTree>
     <p:extLst>
       <p:ext uri="{BB962C8B-B14F-4D97-AF65-F5344CB8AC3E}">
-        <p14:creationId xmlns="" xmlns:p14="http://schemas.microsoft.com/office/powerpoint/2010/main" val="779007194"/>
+        <p14:creationId xmlns:p14="http://schemas.microsoft.com/office/powerpoint/2010/main" val="779007194"/>
       </p:ext>
     </p:extLst>
   </p:cSld>
@@ -2036,13 +2020,6 @@
     <p:sldLayoutId id="2147483665" r:id="rId3"/>
     <p:sldLayoutId id="2147483666" r:id="rId4"/>
   </p:sldLayoutIdLst>
-  <p:timing>
-    <p:tnLst>
-      <p:par>
-        <p:cTn id="1" dur="indefinite" restart="never" nodeType="tmRoot"/>
-      </p:par>
-    </p:tnLst>
-  </p:timing>
   <p:txStyles>
     <p:titleStyle>
       <a:lvl1pPr algn="ctr" defTabSz="914400" rtl="0" eaLnBrk="1" latinLnBrk="0" hangingPunct="1">
@@ -2384,7 +2361,7 @@
           <a:lstStyle/>
           <a:p>
             <a:r>
-              <a:rPr lang="en-US" sz="2700" dirty="0" err="1" smtClean="0">
+              <a:rPr lang="en-US" sz="2700" dirty="0" err="1">
                 <a:solidFill>
                   <a:schemeClr val="bg1"/>
                 </a:solidFill>
@@ -2428,16 +2405,18 @@
           <a:lstStyle/>
           <a:p>
             <a:r>
-              <a:rPr lang="en-US" sz="4400" dirty="0" smtClean="0">
+              <a:rPr lang="en-US" sz="4400" dirty="0">
                 <a:solidFill>
                   <a:srgbClr val="7564BC"/>
                 </a:solidFill>
-                <a:latin typeface="Calibri" pitchFamily="34" charset="0"/>
+                <a:latin typeface="Calibri Light" panose="020F0302020204030204" pitchFamily="34" charset="0"/>
+                <a:cs typeface="Calibri Light" panose="020F0302020204030204" pitchFamily="34" charset="0"/>
               </a:rPr>
               <a:t>Socket.IO</a:t>
             </a:r>
             <a:endParaRPr lang="en-US" dirty="0">
-              <a:latin typeface="Calibri" pitchFamily="34" charset="0"/>
+              <a:latin typeface="Calibri Light" panose="020F0302020204030204" pitchFamily="34" charset="0"/>
+              <a:cs typeface="Calibri Light" panose="020F0302020204030204" pitchFamily="34" charset="0"/>
             </a:endParaRPr>
           </a:p>
         </p:txBody>
@@ -2560,7 +2539,7 @@
           </a:lstStyle>
           <a:p>
             <a:r>
-              <a:rPr lang="en-US" sz="3200" b="1" dirty="0" smtClean="0">
+              <a:rPr lang="en-US" sz="3200" b="1" dirty="0">
                 <a:solidFill>
                   <a:schemeClr val="tx1">
                     <a:lumMod val="90000"/>
@@ -2573,17 +2552,6 @@
               </a:rPr>
               <a:t>Node JS</a:t>
             </a:r>
-            <a:endParaRPr lang="en-US" sz="3200" b="1" dirty="0">
-              <a:solidFill>
-                <a:schemeClr val="tx1">
-                  <a:lumMod val="90000"/>
-                  <a:lumOff val="10000"/>
-                </a:schemeClr>
-              </a:solidFill>
-              <a:latin typeface="Calibri" pitchFamily="34" charset="0"/>
-              <a:ea typeface="Roboto Light" panose="02000000000000000000" pitchFamily="2" charset="0"/>
-              <a:cs typeface="Roboto Light" panose="02000000000000000000" pitchFamily="2" charset="0"/>
-            </a:endParaRPr>
           </a:p>
         </p:txBody>
       </p:sp>
@@ -2614,20 +2582,13 @@
     </p:spTree>
     <p:extLst>
       <p:ext uri="{BB962C8B-B14F-4D97-AF65-F5344CB8AC3E}">
-        <p14:creationId xmlns="" xmlns:p14="http://schemas.microsoft.com/office/powerpoint/2010/main" val="3436223543"/>
+        <p14:creationId xmlns:p14="http://schemas.microsoft.com/office/powerpoint/2010/main" val="3436223543"/>
       </p:ext>
     </p:extLst>
   </p:cSld>
   <p:clrMapOvr>
     <a:masterClrMapping/>
   </p:clrMapOvr>
-  <p:timing>
-    <p:tnLst>
-      <p:par>
-        <p:cTn id="1" dur="indefinite" restart="never" nodeType="tmRoot"/>
-      </p:par>
-    </p:tnLst>
-  </p:timing>
 </p:sld>
 </file>
 
@@ -2664,7 +2625,7 @@
           <a:lstStyle/>
           <a:p>
             <a:r>
-              <a:rPr lang="en-US" sz="2800" dirty="0" smtClean="0">
+              <a:rPr lang="en-US" sz="2800" dirty="0">
                 <a:latin typeface="Calibri" pitchFamily="34" charset="0"/>
               </a:rPr>
               <a:t>Socket.IO</a:t>
@@ -2688,7 +2649,7 @@
         <p:spPr>
           <a:xfrm>
             <a:off x="611560" y="2348880"/>
-            <a:ext cx="7344816" cy="2946400"/>
+            <a:ext cx="8075240" cy="4104456"/>
           </a:xfrm>
         </p:spPr>
         <p:txBody>
@@ -2696,129 +2657,129 @@
           <a:lstStyle/>
           <a:p>
             <a:r>
-              <a:rPr lang="ru-RU" sz="1800" dirty="0" err="1" smtClean="0">
+              <a:rPr lang="ru-RU" sz="1800" dirty="0" err="1">
                 <a:latin typeface="Calibri" pitchFamily="34" charset="0"/>
               </a:rPr>
               <a:t>Socket.IO</a:t>
             </a:r>
             <a:r>
-              <a:rPr lang="ru-RU" sz="1800" dirty="0" smtClean="0">
+              <a:rPr lang="ru-RU" sz="1800" dirty="0">
                 <a:latin typeface="Calibri" pitchFamily="34" charset="0"/>
               </a:rPr>
               <a:t> — </a:t>
             </a:r>
             <a:r>
-              <a:rPr lang="ru-RU" sz="1800" dirty="0" err="1" smtClean="0">
+              <a:rPr lang="ru-RU" sz="1800" dirty="0" err="1">
                 <a:latin typeface="Calibri" pitchFamily="34" charset="0"/>
               </a:rPr>
               <a:t>JavaScript</a:t>
             </a:r>
             <a:r>
-              <a:rPr lang="ru-RU" sz="1800" dirty="0" smtClean="0">
+              <a:rPr lang="ru-RU" sz="1800" dirty="0">
                 <a:latin typeface="Calibri" pitchFamily="34" charset="0"/>
               </a:rPr>
               <a:t> библиотека для </a:t>
             </a:r>
             <a:r>
-              <a:rPr lang="ru-RU" sz="1800" dirty="0" err="1" smtClean="0">
+              <a:rPr lang="ru-RU" sz="1800" dirty="0" err="1">
                 <a:latin typeface="Calibri" pitchFamily="34" charset="0"/>
               </a:rPr>
               <a:t>веб-приложений</a:t>
             </a:r>
             <a:r>
-              <a:rPr lang="ru-RU" sz="1800" dirty="0" smtClean="0">
+              <a:rPr lang="ru-RU" sz="1800" dirty="0">
                 <a:latin typeface="Calibri" pitchFamily="34" charset="0"/>
               </a:rPr>
               <a:t> и обмена данными в реальном времени через </a:t>
             </a:r>
             <a:r>
-              <a:rPr lang="en-US" sz="1800" dirty="0" err="1" smtClean="0">
+              <a:rPr lang="en-US" sz="1800" dirty="0" err="1">
                 <a:latin typeface="Calibri" pitchFamily="34" charset="0"/>
               </a:rPr>
               <a:t>WebSockets</a:t>
             </a:r>
             <a:r>
-              <a:rPr lang="ru-RU" sz="1800" dirty="0" smtClean="0">
+              <a:rPr lang="ru-RU" sz="1800" dirty="0">
                 <a:latin typeface="Calibri" pitchFamily="34" charset="0"/>
               </a:rPr>
               <a:t>. Состоит из двух частей: клиентской, которая запускается в браузере и серверной для </a:t>
             </a:r>
             <a:r>
-              <a:rPr lang="ru-RU" sz="1800" dirty="0" err="1" smtClean="0">
+              <a:rPr lang="ru-RU" sz="1800" dirty="0" err="1">
                 <a:latin typeface="Calibri" pitchFamily="34" charset="0"/>
               </a:rPr>
               <a:t>node.js</a:t>
             </a:r>
             <a:r>
-              <a:rPr lang="ru-RU" sz="1800" dirty="0" smtClean="0">
+              <a:rPr lang="ru-RU" sz="1800" dirty="0">
                 <a:latin typeface="Calibri" pitchFamily="34" charset="0"/>
               </a:rPr>
               <a:t>. </a:t>
             </a:r>
           </a:p>
           <a:p>
-            <a:endParaRPr lang="ru-RU" sz="1800" dirty="0" smtClean="0">
+            <a:endParaRPr lang="ru-RU" sz="1800" dirty="0">
               <a:latin typeface="Calibri" pitchFamily="34" charset="0"/>
             </a:endParaRPr>
           </a:p>
           <a:p>
             <a:r>
-              <a:rPr lang="ru-RU" sz="1800" dirty="0" smtClean="0">
+              <a:rPr lang="ru-RU" sz="1800" dirty="0">
                 <a:latin typeface="Calibri" pitchFamily="34" charset="0"/>
               </a:rPr>
               <a:t>Подобно </a:t>
             </a:r>
             <a:r>
-              <a:rPr lang="en-US" sz="1800" dirty="0" smtClean="0">
+              <a:rPr lang="en-US" sz="1800" dirty="0">
                 <a:latin typeface="Calibri" pitchFamily="34" charset="0"/>
               </a:rPr>
               <a:t>node</a:t>
             </a:r>
             <a:r>
-              <a:rPr lang="ru-RU" sz="1800" dirty="0" smtClean="0">
+              <a:rPr lang="ru-RU" sz="1800" dirty="0">
                 <a:latin typeface="Calibri" pitchFamily="34" charset="0"/>
               </a:rPr>
               <a:t> </a:t>
             </a:r>
             <a:r>
-              <a:rPr lang="en-US" sz="1800" dirty="0" err="1" smtClean="0">
+              <a:rPr lang="en-US" sz="1800" dirty="0" err="1">
                 <a:latin typeface="Calibri" pitchFamily="34" charset="0"/>
               </a:rPr>
               <a:t>js</a:t>
             </a:r>
             <a:r>
-              <a:rPr lang="en-US" sz="1800" dirty="0" smtClean="0">
+              <a:rPr lang="en-US" sz="1800" dirty="0">
                 <a:latin typeface="Calibri" pitchFamily="34" charset="0"/>
               </a:rPr>
               <a:t>, Socket.IO </a:t>
             </a:r>
             <a:r>
-              <a:rPr lang="ru-RU" sz="1800" dirty="0" smtClean="0">
+              <a:rPr lang="ru-RU" sz="1800" dirty="0">
                 <a:latin typeface="Calibri" pitchFamily="34" charset="0"/>
               </a:rPr>
               <a:t>событийно-ориентированная. </a:t>
             </a:r>
           </a:p>
           <a:p>
-            <a:endParaRPr lang="ru-RU" sz="1800" dirty="0" smtClean="0">
+            <a:endParaRPr lang="ru-RU" sz="1800" dirty="0">
               <a:latin typeface="Calibri" pitchFamily="34" charset="0"/>
             </a:endParaRPr>
           </a:p>
           <a:p>
             <a:r>
-              <a:rPr lang="en-US" sz="1800" dirty="0" smtClean="0">
+              <a:rPr lang="en-US" sz="1800" dirty="0">
                 <a:latin typeface="Calibri" pitchFamily="34" charset="0"/>
               </a:rPr>
               <a:t>Socket.IO </a:t>
             </a:r>
             <a:r>
-              <a:rPr lang="ru-RU" sz="1800" dirty="0" smtClean="0">
-                <a:latin typeface="Calibri" pitchFamily="34" charset="0"/>
-              </a:rPr>
-              <a:t>подходит для реализации следующего</a:t>
-            </a:r>
-            <a:r>
-              <a:rPr lang="en-US" sz="1800" dirty="0" smtClean="0">
+              <a:rPr lang="ru-RU" sz="1800" dirty="0">
+                <a:latin typeface="Calibri" pitchFamily="34" charset="0"/>
+              </a:rPr>
+              <a:t>подходит для</a:t>
+            </a:r>
+            <a:r>
+              <a:rPr lang="en-US" sz="1800" dirty="0">
                 <a:latin typeface="Calibri" pitchFamily="34" charset="0"/>
               </a:rPr>
               <a:t>: </a:t>
@@ -2827,70 +2788,46 @@
           <a:p>
             <a:pPr marL="900000" fontAlgn="base"/>
             <a:r>
-              <a:rPr lang="en-US" sz="1800" dirty="0" smtClean="0">
+              <a:rPr lang="en-US" sz="1800" dirty="0">
                 <a:latin typeface="Calibri" pitchFamily="34" charset="0"/>
               </a:rPr>
               <a:t> </a:t>
             </a:r>
             <a:r>
-              <a:rPr lang="ru-RU" sz="1800" dirty="0" smtClean="0">
-                <a:latin typeface="Calibri" pitchFamily="34" charset="0"/>
-              </a:rPr>
-              <a:t>Быстрый обмен данными для </a:t>
-            </a:r>
-            <a:r>
-              <a:rPr lang="ru-RU" sz="1800" dirty="0" err="1" smtClean="0">
-                <a:latin typeface="Calibri" pitchFamily="34" charset="0"/>
-              </a:rPr>
-              <a:t>онлайн</a:t>
-            </a:r>
-            <a:r>
-              <a:rPr lang="ru-RU" sz="1800" dirty="0" smtClean="0">
-                <a:latin typeface="Calibri" pitchFamily="34" charset="0"/>
-              </a:rPr>
-              <a:t> игр, чатов и пр.;</a:t>
+              <a:rPr lang="ru-RU" sz="1800" dirty="0">
+                <a:latin typeface="Calibri" pitchFamily="34" charset="0"/>
+              </a:rPr>
+              <a:t>быстрого обмена данными для онлайн игр, чатов и пр.;</a:t>
             </a:r>
           </a:p>
           <a:p>
             <a:pPr marL="900000" fontAlgn="base"/>
             <a:r>
-              <a:rPr lang="en-US" sz="1800" dirty="0" smtClean="0">
+              <a:rPr lang="en-US" sz="1800" dirty="0">
                 <a:latin typeface="Calibri" pitchFamily="34" charset="0"/>
               </a:rPr>
               <a:t> </a:t>
             </a:r>
             <a:r>
-              <a:rPr lang="ru-RU" sz="1800" dirty="0" err="1" smtClean="0">
-                <a:latin typeface="Calibri" pitchFamily="34" charset="0"/>
-              </a:rPr>
-              <a:t>Веб-приложения</a:t>
-            </a:r>
-            <a:r>
-              <a:rPr lang="ru-RU" sz="1800" dirty="0" smtClean="0">
-                <a:latin typeface="Calibri" pitchFamily="34" charset="0"/>
-              </a:rPr>
-              <a:t> с интенсивным обменом данными, требовательные к скорости обмена и каналу;</a:t>
+              <a:rPr lang="ru-RU" sz="1800" dirty="0">
+                <a:latin typeface="Calibri" pitchFamily="34" charset="0"/>
+              </a:rPr>
+              <a:t>веб-приложений с интенсивным обменом данными, требовательные к скорости обмена и каналу;</a:t>
             </a:r>
           </a:p>
           <a:p>
             <a:pPr marL="900000" fontAlgn="base"/>
             <a:r>
-              <a:rPr lang="en-US" sz="1800" dirty="0" smtClean="0">
-                <a:latin typeface="Calibri" pitchFamily="34" charset="0"/>
-              </a:rPr>
-              <a:t> </a:t>
-            </a:r>
-            <a:r>
-              <a:rPr lang="ru-RU" sz="1800" dirty="0" err="1" smtClean="0">
-                <a:latin typeface="Calibri" pitchFamily="34" charset="0"/>
-              </a:rPr>
-              <a:t>Push</a:t>
-            </a:r>
-            <a:r>
-              <a:rPr lang="ru-RU" sz="1800" dirty="0" smtClean="0">
-                <a:latin typeface="Calibri" pitchFamily="34" charset="0"/>
-              </a:rPr>
-              <a:t> уведомления;</a:t>
+              <a:rPr lang="en-US" sz="1800" dirty="0">
+                <a:latin typeface="Calibri" pitchFamily="34" charset="0"/>
+              </a:rPr>
+              <a:t>push </a:t>
+            </a:r>
+            <a:r>
+              <a:rPr lang="ru-RU" sz="1800" dirty="0">
+                <a:latin typeface="Calibri" pitchFamily="34" charset="0"/>
+              </a:rPr>
+              <a:t>уведомлений;</a:t>
             </a:r>
           </a:p>
           <a:p>
@@ -2967,13 +2904,13 @@
           <a:lstStyle/>
           <a:p>
             <a:r>
-              <a:rPr lang="ru-RU" dirty="0" smtClean="0">
+              <a:rPr lang="ru-RU" dirty="0">
                 <a:latin typeface="Calibri" pitchFamily="34" charset="0"/>
               </a:rPr>
               <a:t>Схема работы </a:t>
             </a:r>
             <a:r>
-              <a:rPr lang="en-US" dirty="0" smtClean="0">
+              <a:rPr lang="en-US" dirty="0">
                 <a:latin typeface="Calibri" pitchFamily="34" charset="0"/>
               </a:rPr>
               <a:t>Socket.IO</a:t>
@@ -3051,13 +2988,13 @@
           <a:lstStyle/>
           <a:p>
             <a:r>
-              <a:rPr lang="en-US" dirty="0" smtClean="0">
+              <a:rPr lang="en-US" dirty="0">
                 <a:latin typeface="Calibri" pitchFamily="34" charset="0"/>
               </a:rPr>
               <a:t>Socket.IO </a:t>
             </a:r>
             <a:r>
-              <a:rPr lang="ru-RU" dirty="0" smtClean="0">
+              <a:rPr lang="ru-RU" dirty="0">
                 <a:latin typeface="Calibri" pitchFamily="34" charset="0"/>
               </a:rPr>
               <a:t>сервер</a:t>
@@ -3077,7 +3014,7 @@
         <p:spPr>
           <a:xfrm>
             <a:off x="539552" y="1484784"/>
-            <a:ext cx="3528392" cy="1754326"/>
+            <a:ext cx="3888432" cy="1754326"/>
           </a:xfrm>
           <a:prstGeom prst="rect">
             <a:avLst/>
@@ -3104,72 +3041,82 @@
           <a:lstStyle/>
           <a:p>
             <a:r>
-              <a:rPr lang="ru-RU" dirty="0" smtClean="0">
+              <a:rPr lang="ru-RU" dirty="0">
                 <a:latin typeface="Calibri" pitchFamily="34" charset="0"/>
               </a:rPr>
               <a:t>Использование с </a:t>
             </a:r>
             <a:r>
-              <a:rPr lang="en-US" dirty="0" smtClean="0">
+              <a:rPr lang="en-US" dirty="0">
                 <a:latin typeface="Calibri" pitchFamily="34" charset="0"/>
               </a:rPr>
               <a:t>Node http Server: </a:t>
             </a:r>
           </a:p>
           <a:p>
-            <a:endParaRPr lang="en-US" dirty="0" smtClean="0">
+            <a:endParaRPr lang="en-US" dirty="0">
               <a:latin typeface="Calibri" pitchFamily="34" charset="0"/>
             </a:endParaRPr>
           </a:p>
           <a:p>
             <a:r>
-              <a:rPr lang="en-US" dirty="0" err="1" smtClean="0">
+              <a:rPr lang="en-US" dirty="0" err="1">
                 <a:latin typeface="Calibri" pitchFamily="34" charset="0"/>
               </a:rPr>
               <a:t>var</a:t>
             </a:r>
             <a:r>
-              <a:rPr lang="en-US" dirty="0" smtClean="0">
+              <a:rPr lang="en-US" dirty="0">
                 <a:latin typeface="Calibri" pitchFamily="34" charset="0"/>
               </a:rPr>
               <a:t> app = require('express')(); </a:t>
             </a:r>
-            <a:r>
-              <a:rPr lang="en-US" dirty="0" err="1" smtClean="0">
+            <a:endParaRPr lang="uk-UA" dirty="0">
+              <a:latin typeface="Calibri" pitchFamily="34" charset="0"/>
+            </a:endParaRPr>
+          </a:p>
+          <a:p>
+            <a:r>
+              <a:rPr lang="en-US" dirty="0" err="1">
                 <a:latin typeface="Calibri" pitchFamily="34" charset="0"/>
               </a:rPr>
               <a:t>var</a:t>
             </a:r>
             <a:r>
-              <a:rPr lang="en-US" dirty="0" smtClean="0">
+              <a:rPr lang="en-US" dirty="0">
                 <a:latin typeface="Calibri" pitchFamily="34" charset="0"/>
               </a:rPr>
               <a:t> server = require('http').Server(app); </a:t>
             </a:r>
             <a:r>
-              <a:rPr lang="en-US" dirty="0" err="1" smtClean="0">
+              <a:rPr lang="en-US" dirty="0" err="1">
                 <a:latin typeface="Calibri" pitchFamily="34" charset="0"/>
               </a:rPr>
               <a:t>var</a:t>
             </a:r>
             <a:r>
-              <a:rPr lang="en-US" dirty="0" smtClean="0">
+              <a:rPr lang="en-US" dirty="0">
                 <a:latin typeface="Calibri" pitchFamily="34" charset="0"/>
               </a:rPr>
               <a:t> </a:t>
             </a:r>
             <a:r>
-              <a:rPr lang="en-US" dirty="0" err="1" smtClean="0">
+              <a:rPr lang="en-US" dirty="0" err="1">
                 <a:latin typeface="Calibri" pitchFamily="34" charset="0"/>
               </a:rPr>
               <a:t>io</a:t>
             </a:r>
             <a:r>
-              <a:rPr lang="en-US" dirty="0" smtClean="0">
+              <a:rPr lang="en-US" dirty="0">
                 <a:latin typeface="Calibri" pitchFamily="34" charset="0"/>
               </a:rPr>
               <a:t> = require('socket.io')(server);</a:t>
             </a:r>
+            <a:endParaRPr lang="uk-UA" dirty="0">
+              <a:latin typeface="Calibri" pitchFamily="34" charset="0"/>
+            </a:endParaRPr>
+          </a:p>
+          <a:p>
             <a:endParaRPr lang="uk-UA" dirty="0">
               <a:latin typeface="Calibri" pitchFamily="34" charset="0"/>
             </a:endParaRPr>
@@ -3212,91 +3159,91 @@
           <a:lstStyle/>
           <a:p>
             <a:r>
-              <a:rPr lang="ru-RU" dirty="0" smtClean="0">
+              <a:rPr lang="ru-RU" dirty="0">
                 <a:latin typeface="Calibri" pitchFamily="34" charset="0"/>
               </a:rPr>
               <a:t>Интеграция </a:t>
             </a:r>
             <a:r>
-              <a:rPr lang="en-US" dirty="0" smtClean="0">
+              <a:rPr lang="en-US" dirty="0">
                 <a:latin typeface="Calibri" pitchFamily="34" charset="0"/>
               </a:rPr>
               <a:t>Socket.IO </a:t>
             </a:r>
             <a:r>
-              <a:rPr lang="ru-RU" dirty="0" smtClean="0">
+              <a:rPr lang="ru-RU" dirty="0">
                 <a:latin typeface="Calibri" pitchFamily="34" charset="0"/>
               </a:rPr>
               <a:t>и </a:t>
             </a:r>
             <a:r>
-              <a:rPr lang="en-US" dirty="0" smtClean="0">
+              <a:rPr lang="en-US" dirty="0">
                 <a:latin typeface="Calibri" pitchFamily="34" charset="0"/>
               </a:rPr>
               <a:t>Express: </a:t>
             </a:r>
           </a:p>
           <a:p>
-            <a:endParaRPr lang="en-US" dirty="0" smtClean="0">
+            <a:endParaRPr lang="en-US" dirty="0">
               <a:latin typeface="Calibri" pitchFamily="34" charset="0"/>
             </a:endParaRPr>
           </a:p>
           <a:p>
-            <a:endParaRPr lang="en-US" dirty="0" smtClean="0">
+            <a:r>
+              <a:rPr lang="en-US" dirty="0" err="1">
+                <a:latin typeface="Calibri" pitchFamily="34" charset="0"/>
+              </a:rPr>
+              <a:t>var</a:t>
+            </a:r>
+            <a:r>
+              <a:rPr lang="en-US" dirty="0">
+                <a:latin typeface="Calibri" pitchFamily="34" charset="0"/>
+              </a:rPr>
+              <a:t> app = require('express')(); </a:t>
+            </a:r>
+          </a:p>
+          <a:p>
+            <a:r>
+              <a:rPr lang="en-US" dirty="0" err="1">
+                <a:latin typeface="Calibri" pitchFamily="34" charset="0"/>
+              </a:rPr>
+              <a:t>var</a:t>
+            </a:r>
+            <a:r>
+              <a:rPr lang="en-US" dirty="0">
+                <a:latin typeface="Calibri" pitchFamily="34" charset="0"/>
+              </a:rPr>
+              <a:t> server = require('http').Server(app); </a:t>
+            </a:r>
+            <a:r>
+              <a:rPr lang="en-US" dirty="0" err="1">
+                <a:latin typeface="Calibri" pitchFamily="34" charset="0"/>
+              </a:rPr>
+              <a:t>var</a:t>
+            </a:r>
+            <a:r>
+              <a:rPr lang="en-US" dirty="0">
+                <a:latin typeface="Calibri" pitchFamily="34" charset="0"/>
+              </a:rPr>
+              <a:t> </a:t>
+            </a:r>
+            <a:r>
+              <a:rPr lang="en-US" dirty="0" err="1">
+                <a:latin typeface="Calibri" pitchFamily="34" charset="0"/>
+              </a:rPr>
+              <a:t>io</a:t>
+            </a:r>
+            <a:r>
+              <a:rPr lang="en-US" dirty="0">
+                <a:latin typeface="Calibri" pitchFamily="34" charset="0"/>
+              </a:rPr>
+              <a:t> = require('socket.io')(server); </a:t>
+            </a:r>
+            <a:endParaRPr lang="uk-UA" dirty="0">
               <a:latin typeface="Calibri" pitchFamily="34" charset="0"/>
             </a:endParaRPr>
           </a:p>
           <a:p>
-            <a:r>
-              <a:rPr lang="en-US" dirty="0" err="1" smtClean="0">
-                <a:latin typeface="Calibri" pitchFamily="34" charset="0"/>
-              </a:rPr>
-              <a:t>var</a:t>
-            </a:r>
-            <a:r>
-              <a:rPr lang="en-US" dirty="0" smtClean="0">
-                <a:latin typeface="Calibri" pitchFamily="34" charset="0"/>
-              </a:rPr>
-              <a:t> app = require('express')(); </a:t>
-            </a:r>
-          </a:p>
-          <a:p>
-            <a:r>
-              <a:rPr lang="en-US" dirty="0" err="1" smtClean="0">
-                <a:latin typeface="Calibri" pitchFamily="34" charset="0"/>
-              </a:rPr>
-              <a:t>var</a:t>
-            </a:r>
-            <a:r>
-              <a:rPr lang="en-US" dirty="0" smtClean="0">
-                <a:latin typeface="Calibri" pitchFamily="34" charset="0"/>
-              </a:rPr>
-              <a:t> server = require('http').Server(app); </a:t>
-            </a:r>
-            <a:r>
-              <a:rPr lang="en-US" dirty="0" err="1" smtClean="0">
-                <a:latin typeface="Calibri" pitchFamily="34" charset="0"/>
-              </a:rPr>
-              <a:t>var</a:t>
-            </a:r>
-            <a:r>
-              <a:rPr lang="en-US" dirty="0" smtClean="0">
-                <a:latin typeface="Calibri" pitchFamily="34" charset="0"/>
-              </a:rPr>
-              <a:t> </a:t>
-            </a:r>
-            <a:r>
-              <a:rPr lang="en-US" dirty="0" err="1" smtClean="0">
-                <a:latin typeface="Calibri" pitchFamily="34" charset="0"/>
-              </a:rPr>
-              <a:t>io</a:t>
-            </a:r>
-            <a:r>
-              <a:rPr lang="en-US" dirty="0" smtClean="0">
-                <a:latin typeface="Calibri" pitchFamily="34" charset="0"/>
-              </a:rPr>
-              <a:t> = require('socket.io')(server); </a:t>
-            </a:r>
             <a:endParaRPr lang="uk-UA" dirty="0">
               <a:latin typeface="Calibri" pitchFamily="34" charset="0"/>
             </a:endParaRPr>
@@ -3326,13 +3273,13 @@
           <a:lstStyle/>
           <a:p>
             <a:r>
-              <a:rPr lang="ru-RU" dirty="0" smtClean="0">
+              <a:rPr lang="ru-RU" dirty="0">
                 <a:latin typeface="Calibri" pitchFamily="34" charset="0"/>
               </a:rPr>
               <a:t>Коммуникация с клиентом</a:t>
             </a:r>
             <a:r>
-              <a:rPr lang="en-US" dirty="0" smtClean="0">
+              <a:rPr lang="en-US" dirty="0">
                 <a:latin typeface="Calibri" pitchFamily="34" charset="0"/>
               </a:rPr>
               <a:t>: </a:t>
@@ -3379,19 +3326,19 @@
           <a:lstStyle/>
           <a:p>
             <a:r>
-              <a:rPr lang="en-US" dirty="0" err="1" smtClean="0">
+              <a:rPr lang="en-US" dirty="0" err="1">
                 <a:latin typeface="Calibri" pitchFamily="34" charset="0"/>
               </a:rPr>
               <a:t>io.</a:t>
             </a:r>
             <a:r>
-              <a:rPr lang="en-US" b="1" dirty="0" err="1" smtClean="0">
+              <a:rPr lang="en-US" b="1" dirty="0" err="1">
                 <a:latin typeface="Calibri" pitchFamily="34" charset="0"/>
               </a:rPr>
               <a:t>on</a:t>
             </a:r>
             <a:r>
-              <a:rPr lang="en-US" dirty="0" smtClean="0">
+              <a:rPr lang="en-US" dirty="0">
                 <a:latin typeface="Calibri" pitchFamily="34" charset="0"/>
               </a:rPr>
               <a:t>('connection', function (socket) {</a:t>
@@ -3399,25 +3346,25 @@
           </a:p>
           <a:p>
             <a:r>
-              <a:rPr lang="en-US" dirty="0" smtClean="0">
+              <a:rPr lang="en-US" dirty="0">
                 <a:latin typeface="Calibri" pitchFamily="34" charset="0"/>
               </a:rPr>
               <a:t>    </a:t>
             </a:r>
             <a:r>
-              <a:rPr lang="en-US" dirty="0" err="1" smtClean="0">
+              <a:rPr lang="en-US" dirty="0" err="1">
                 <a:latin typeface="Calibri" pitchFamily="34" charset="0"/>
               </a:rPr>
               <a:t>socket</a:t>
             </a:r>
             <a:r>
-              <a:rPr lang="en-US" b="1" dirty="0" err="1" smtClean="0">
+              <a:rPr lang="en-US" b="1" dirty="0" err="1">
                 <a:latin typeface="Calibri" pitchFamily="34" charset="0"/>
               </a:rPr>
               <a:t>.emit</a:t>
             </a:r>
             <a:r>
-              <a:rPr lang="en-US" dirty="0" smtClean="0">
+              <a:rPr lang="en-US" dirty="0">
                 <a:latin typeface="Calibri" pitchFamily="34" charset="0"/>
               </a:rPr>
               <a:t>('news', { hello: 'world' }); </a:t>
@@ -3425,25 +3372,25 @@
           </a:p>
           <a:p>
             <a:r>
-              <a:rPr lang="en-US" dirty="0" smtClean="0">
+              <a:rPr lang="en-US" dirty="0">
                 <a:latin typeface="Calibri" pitchFamily="34" charset="0"/>
               </a:rPr>
               <a:t>    </a:t>
             </a:r>
             <a:r>
-              <a:rPr lang="en-US" dirty="0" err="1" smtClean="0">
+              <a:rPr lang="en-US" dirty="0" err="1">
                 <a:latin typeface="Calibri" pitchFamily="34" charset="0"/>
               </a:rPr>
               <a:t>socket.</a:t>
             </a:r>
             <a:r>
-              <a:rPr lang="en-US" b="1" dirty="0" err="1" smtClean="0">
+              <a:rPr lang="en-US" b="1" dirty="0" err="1">
                 <a:latin typeface="Calibri" pitchFamily="34" charset="0"/>
               </a:rPr>
               <a:t>on</a:t>
             </a:r>
             <a:r>
-              <a:rPr lang="en-US" dirty="0" smtClean="0">
+              <a:rPr lang="en-US" dirty="0">
                 <a:latin typeface="Calibri" pitchFamily="34" charset="0"/>
               </a:rPr>
               <a:t>('my other event', function (data) {</a:t>
@@ -3451,7 +3398,7 @@
           </a:p>
           <a:p>
             <a:r>
-              <a:rPr lang="en-US" dirty="0" smtClean="0">
+              <a:rPr lang="en-US" dirty="0">
                 <a:latin typeface="Calibri" pitchFamily="34" charset="0"/>
               </a:rPr>
               <a:t>                 console.log(data); </a:t>
@@ -3459,7 +3406,7 @@
           </a:p>
           <a:p>
             <a:r>
-              <a:rPr lang="en-US" dirty="0" smtClean="0">
+              <a:rPr lang="en-US" dirty="0">
                 <a:latin typeface="Calibri" pitchFamily="34" charset="0"/>
               </a:rPr>
               <a:t>     }); </a:t>
@@ -3467,7 +3414,7 @@
           </a:p>
           <a:p>
             <a:r>
-              <a:rPr lang="en-US" dirty="0" smtClean="0">
+              <a:rPr lang="en-US" dirty="0">
                 <a:latin typeface="Calibri" pitchFamily="34" charset="0"/>
               </a:rPr>
               <a:t>});</a:t>
@@ -3519,13 +3466,13 @@
           <a:lstStyle/>
           <a:p>
             <a:r>
-              <a:rPr lang="en-US" dirty="0" smtClean="0">
+              <a:rPr lang="en-US" dirty="0">
                 <a:latin typeface="Calibri" pitchFamily="34" charset="0"/>
               </a:rPr>
               <a:t>Socket.IO </a:t>
             </a:r>
             <a:r>
-              <a:rPr lang="ru-RU" dirty="0" smtClean="0">
+              <a:rPr lang="ru-RU" dirty="0">
                 <a:latin typeface="Calibri" pitchFamily="34" charset="0"/>
               </a:rPr>
               <a:t>клиент</a:t>
@@ -3559,13 +3506,13 @@
           <a:lstStyle/>
           <a:p>
             <a:r>
-              <a:rPr lang="ru-RU" dirty="0" smtClean="0">
+              <a:rPr lang="ru-RU" dirty="0">
                 <a:latin typeface="Calibri" pitchFamily="34" charset="0"/>
               </a:rPr>
               <a:t>Коммуникация с сервером</a:t>
             </a:r>
             <a:r>
-              <a:rPr lang="en-US" dirty="0" smtClean="0">
+              <a:rPr lang="en-US" dirty="0">
                 <a:latin typeface="Calibri" pitchFamily="34" charset="0"/>
               </a:rPr>
               <a:t>: </a:t>
@@ -3612,99 +3559,162 @@
           <a:lstStyle/>
           <a:p>
             <a:r>
-              <a:rPr lang="en-US" u="sng" dirty="0" smtClean="0"/>
+              <a:rPr lang="en-US" u="sng" dirty="0">
+                <a:latin typeface="Calibri" panose="020F0502020204030204" pitchFamily="34" charset="0"/>
+                <a:cs typeface="Calibri" panose="020F0502020204030204" pitchFamily="34" charset="0"/>
+              </a:rPr>
               <a:t>&lt;script </a:t>
             </a:r>
             <a:r>
-              <a:rPr lang="en-US" u="sng" dirty="0" err="1" smtClean="0"/>
+              <a:rPr lang="en-US" u="sng" dirty="0" err="1">
+                <a:latin typeface="Calibri" panose="020F0502020204030204" pitchFamily="34" charset="0"/>
+                <a:cs typeface="Calibri" panose="020F0502020204030204" pitchFamily="34" charset="0"/>
+              </a:rPr>
               <a:t>src</a:t>
             </a:r>
             <a:r>
-              <a:rPr lang="en-US" u="sng" dirty="0" smtClean="0"/>
+              <a:rPr lang="en-US" u="sng" dirty="0">
+                <a:latin typeface="Calibri" panose="020F0502020204030204" pitchFamily="34" charset="0"/>
+                <a:cs typeface="Calibri" panose="020F0502020204030204" pitchFamily="34" charset="0"/>
+              </a:rPr>
               <a:t>="/socket.io/</a:t>
             </a:r>
             <a:r>
-              <a:rPr lang="en-US" u="sng" dirty="0" err="1" smtClean="0"/>
+              <a:rPr lang="en-US" u="sng" dirty="0" err="1">
+                <a:latin typeface="Calibri" panose="020F0502020204030204" pitchFamily="34" charset="0"/>
+                <a:cs typeface="Calibri" panose="020F0502020204030204" pitchFamily="34" charset="0"/>
+              </a:rPr>
               <a:t>socket.io.js</a:t>
             </a:r>
             <a:r>
-              <a:rPr lang="en-US" u="sng" dirty="0" smtClean="0"/>
+              <a:rPr lang="en-US" u="sng" dirty="0">
+                <a:latin typeface="Calibri" panose="020F0502020204030204" pitchFamily="34" charset="0"/>
+                <a:cs typeface="Calibri" panose="020F0502020204030204" pitchFamily="34" charset="0"/>
+              </a:rPr>
               <a:t>"&gt;&lt;/script&gt;</a:t>
             </a:r>
           </a:p>
           <a:p>
             <a:r>
-              <a:rPr lang="en-US" dirty="0" smtClean="0"/>
+              <a:rPr lang="en-US" dirty="0">
+                <a:latin typeface="Calibri" panose="020F0502020204030204" pitchFamily="34" charset="0"/>
+                <a:cs typeface="Calibri" panose="020F0502020204030204" pitchFamily="34" charset="0"/>
+              </a:rPr>
               <a:t>&lt;script&gt;</a:t>
             </a:r>
           </a:p>
           <a:p>
             <a:r>
-              <a:rPr lang="sv-SE" dirty="0" smtClean="0"/>
+              <a:rPr lang="sv-SE" dirty="0">
+                <a:latin typeface="Calibri" panose="020F0502020204030204" pitchFamily="34" charset="0"/>
+                <a:cs typeface="Calibri" panose="020F0502020204030204" pitchFamily="34" charset="0"/>
+              </a:rPr>
               <a:t>  var socket = io.connect('http://localhost');</a:t>
             </a:r>
           </a:p>
           <a:p>
-            <a:endParaRPr lang="sv-SE" dirty="0" smtClean="0"/>
-          </a:p>
-          <a:p>
-            <a:r>
-              <a:rPr lang="en-US" dirty="0" smtClean="0"/>
+            <a:endParaRPr lang="sv-SE" dirty="0">
+              <a:latin typeface="Calibri" panose="020F0502020204030204" pitchFamily="34" charset="0"/>
+              <a:cs typeface="Calibri" panose="020F0502020204030204" pitchFamily="34" charset="0"/>
+            </a:endParaRPr>
+          </a:p>
+          <a:p>
+            <a:r>
+              <a:rPr lang="en-US" dirty="0">
+                <a:latin typeface="Calibri" panose="020F0502020204030204" pitchFamily="34" charset="0"/>
+                <a:cs typeface="Calibri" panose="020F0502020204030204" pitchFamily="34" charset="0"/>
+              </a:rPr>
               <a:t>  </a:t>
             </a:r>
             <a:r>
-              <a:rPr lang="en-US" dirty="0" err="1" smtClean="0"/>
+              <a:rPr lang="en-US" dirty="0" err="1">
+                <a:latin typeface="Calibri" panose="020F0502020204030204" pitchFamily="34" charset="0"/>
+                <a:cs typeface="Calibri" panose="020F0502020204030204" pitchFamily="34" charset="0"/>
+              </a:rPr>
               <a:t>socket.</a:t>
             </a:r>
             <a:r>
-              <a:rPr lang="en-US" b="1" dirty="0" err="1" smtClean="0"/>
+              <a:rPr lang="en-US" b="1" dirty="0" err="1">
+                <a:latin typeface="Calibri" panose="020F0502020204030204" pitchFamily="34" charset="0"/>
+                <a:cs typeface="Calibri" panose="020F0502020204030204" pitchFamily="34" charset="0"/>
+              </a:rPr>
               <a:t>on</a:t>
             </a:r>
             <a:r>
-              <a:rPr lang="en-US" dirty="0" smtClean="0"/>
+              <a:rPr lang="en-US" dirty="0">
+                <a:latin typeface="Calibri" panose="020F0502020204030204" pitchFamily="34" charset="0"/>
+                <a:cs typeface="Calibri" panose="020F0502020204030204" pitchFamily="34" charset="0"/>
+              </a:rPr>
               <a:t>('news', function (data) {</a:t>
             </a:r>
           </a:p>
           <a:p>
             <a:r>
-              <a:rPr lang="en-US" dirty="0" smtClean="0"/>
+              <a:rPr lang="en-US" dirty="0">
+                <a:latin typeface="Calibri" panose="020F0502020204030204" pitchFamily="34" charset="0"/>
+                <a:cs typeface="Calibri" panose="020F0502020204030204" pitchFamily="34" charset="0"/>
+              </a:rPr>
               <a:t>       console.log(data);</a:t>
             </a:r>
           </a:p>
           <a:p>
             <a:r>
-              <a:rPr lang="en-US" dirty="0" smtClean="0"/>
+              <a:rPr lang="en-US" dirty="0">
+                <a:latin typeface="Calibri" panose="020F0502020204030204" pitchFamily="34" charset="0"/>
+                <a:cs typeface="Calibri" panose="020F0502020204030204" pitchFamily="34" charset="0"/>
+              </a:rPr>
               <a:t>       </a:t>
             </a:r>
             <a:r>
-              <a:rPr lang="en-US" dirty="0" err="1" smtClean="0"/>
+              <a:rPr lang="en-US" dirty="0" err="1">
+                <a:latin typeface="Calibri" panose="020F0502020204030204" pitchFamily="34" charset="0"/>
+                <a:cs typeface="Calibri" panose="020F0502020204030204" pitchFamily="34" charset="0"/>
+              </a:rPr>
               <a:t>socket.</a:t>
             </a:r>
             <a:r>
-              <a:rPr lang="en-US" b="1" dirty="0" err="1" smtClean="0"/>
+              <a:rPr lang="en-US" b="1" dirty="0" err="1">
+                <a:latin typeface="Calibri" panose="020F0502020204030204" pitchFamily="34" charset="0"/>
+                <a:cs typeface="Calibri" panose="020F0502020204030204" pitchFamily="34" charset="0"/>
+              </a:rPr>
               <a:t>emit</a:t>
             </a:r>
             <a:r>
-              <a:rPr lang="en-US" dirty="0" smtClean="0"/>
+              <a:rPr lang="en-US" dirty="0">
+                <a:latin typeface="Calibri" panose="020F0502020204030204" pitchFamily="34" charset="0"/>
+                <a:cs typeface="Calibri" panose="020F0502020204030204" pitchFamily="34" charset="0"/>
+              </a:rPr>
               <a:t>('my other event', { my: 'data' });</a:t>
             </a:r>
           </a:p>
           <a:p>
             <a:r>
-              <a:rPr lang="en-US" dirty="0" smtClean="0"/>
+              <a:rPr lang="en-US" dirty="0">
+                <a:latin typeface="Calibri" panose="020F0502020204030204" pitchFamily="34" charset="0"/>
+                <a:cs typeface="Calibri" panose="020F0502020204030204" pitchFamily="34" charset="0"/>
+              </a:rPr>
               <a:t>  </a:t>
             </a:r>
             <a:r>
-              <a:rPr lang="uk-UA" dirty="0" smtClean="0"/>
+              <a:rPr lang="uk-UA" dirty="0">
+                <a:latin typeface="Calibri" panose="020F0502020204030204" pitchFamily="34" charset="0"/>
+                <a:cs typeface="Calibri" panose="020F0502020204030204" pitchFamily="34" charset="0"/>
+              </a:rPr>
               <a:t>});</a:t>
             </a:r>
           </a:p>
           <a:p>
             <a:r>
-              <a:rPr lang="en-US" dirty="0" smtClean="0"/>
+              <a:rPr lang="en-US" dirty="0">
+                <a:latin typeface="Calibri" panose="020F0502020204030204" pitchFamily="34" charset="0"/>
+                <a:cs typeface="Calibri" panose="020F0502020204030204" pitchFamily="34" charset="0"/>
+              </a:rPr>
               <a:t>&lt;/script&gt;</a:t>
             </a:r>
-            <a:endParaRPr lang="uk-UA" dirty="0"/>
+            <a:endParaRPr lang="uk-UA" dirty="0">
+              <a:latin typeface="Calibri" panose="020F0502020204030204" pitchFamily="34" charset="0"/>
+              <a:cs typeface="Calibri" panose="020F0502020204030204" pitchFamily="34" charset="0"/>
+            </a:endParaRPr>
           </a:p>
         </p:txBody>
       </p:sp>
